--- a/graphForReport/drwaingGraph1.pptx
+++ b/graphForReport/drwaingGraph1.pptx
@@ -104,6 +104,11 @@
       </a:defRPr>
     </a:lvl9pPr>
   </p:defaultTextStyle>
+  <p:extLst>
+    <p:ext uri="{EFAFB233-063F-42B5-8137-9DF3F51BA10A}">
+      <p15:sldGuideLst xmlns:p15="http://schemas.microsoft.com/office/powerpoint/2012/main"/>
+    </p:ext>
+  </p:extLst>
 </p:presentation>
 </file>
 
@@ -238,7 +243,7 @@
           <a:p>
             <a:fld id="{6CB20436-A048-4C60-A9F7-240DF804A09C}" type="datetimeFigureOut">
               <a:rPr lang="en-US" smtClean="0"/>
-              <a:t>4/9/2018</a:t>
+              <a:t>4/11/2018</a:t>
             </a:fld>
             <a:endParaRPr lang="en-US"/>
           </a:p>
@@ -408,7 +413,7 @@
           <a:p>
             <a:fld id="{6CB20436-A048-4C60-A9F7-240DF804A09C}" type="datetimeFigureOut">
               <a:rPr lang="en-US" smtClean="0"/>
-              <a:t>4/9/2018</a:t>
+              <a:t>4/11/2018</a:t>
             </a:fld>
             <a:endParaRPr lang="en-US"/>
           </a:p>
@@ -588,7 +593,7 @@
           <a:p>
             <a:fld id="{6CB20436-A048-4C60-A9F7-240DF804A09C}" type="datetimeFigureOut">
               <a:rPr lang="en-US" smtClean="0"/>
-              <a:t>4/9/2018</a:t>
+              <a:t>4/11/2018</a:t>
             </a:fld>
             <a:endParaRPr lang="en-US"/>
           </a:p>
@@ -758,7 +763,7 @@
           <a:p>
             <a:fld id="{6CB20436-A048-4C60-A9F7-240DF804A09C}" type="datetimeFigureOut">
               <a:rPr lang="en-US" smtClean="0"/>
-              <a:t>4/9/2018</a:t>
+              <a:t>4/11/2018</a:t>
             </a:fld>
             <a:endParaRPr lang="en-US"/>
           </a:p>
@@ -1004,7 +1009,7 @@
           <a:p>
             <a:fld id="{6CB20436-A048-4C60-A9F7-240DF804A09C}" type="datetimeFigureOut">
               <a:rPr lang="en-US" smtClean="0"/>
-              <a:t>4/9/2018</a:t>
+              <a:t>4/11/2018</a:t>
             </a:fld>
             <a:endParaRPr lang="en-US"/>
           </a:p>
@@ -1236,7 +1241,7 @@
           <a:p>
             <a:fld id="{6CB20436-A048-4C60-A9F7-240DF804A09C}" type="datetimeFigureOut">
               <a:rPr lang="en-US" smtClean="0"/>
-              <a:t>4/9/2018</a:t>
+              <a:t>4/11/2018</a:t>
             </a:fld>
             <a:endParaRPr lang="en-US"/>
           </a:p>
@@ -1603,7 +1608,7 @@
           <a:p>
             <a:fld id="{6CB20436-A048-4C60-A9F7-240DF804A09C}" type="datetimeFigureOut">
               <a:rPr lang="en-US" smtClean="0"/>
-              <a:t>4/9/2018</a:t>
+              <a:t>4/11/2018</a:t>
             </a:fld>
             <a:endParaRPr lang="en-US"/>
           </a:p>
@@ -1721,7 +1726,7 @@
           <a:p>
             <a:fld id="{6CB20436-A048-4C60-A9F7-240DF804A09C}" type="datetimeFigureOut">
               <a:rPr lang="en-US" smtClean="0"/>
-              <a:t>4/9/2018</a:t>
+              <a:t>4/11/2018</a:t>
             </a:fld>
             <a:endParaRPr lang="en-US"/>
           </a:p>
@@ -1816,7 +1821,7 @@
           <a:p>
             <a:fld id="{6CB20436-A048-4C60-A9F7-240DF804A09C}" type="datetimeFigureOut">
               <a:rPr lang="en-US" smtClean="0"/>
-              <a:t>4/9/2018</a:t>
+              <a:t>4/11/2018</a:t>
             </a:fld>
             <a:endParaRPr lang="en-US"/>
           </a:p>
@@ -2093,7 +2098,7 @@
           <a:p>
             <a:fld id="{6CB20436-A048-4C60-A9F7-240DF804A09C}" type="datetimeFigureOut">
               <a:rPr lang="en-US" smtClean="0"/>
-              <a:t>4/9/2018</a:t>
+              <a:t>4/11/2018</a:t>
             </a:fld>
             <a:endParaRPr lang="en-US"/>
           </a:p>
@@ -2346,7 +2351,7 @@
           <a:p>
             <a:fld id="{6CB20436-A048-4C60-A9F7-240DF804A09C}" type="datetimeFigureOut">
               <a:rPr lang="en-US" smtClean="0"/>
-              <a:t>4/9/2018</a:t>
+              <a:t>4/11/2018</a:t>
             </a:fld>
             <a:endParaRPr lang="en-US"/>
           </a:p>
@@ -2559,7 +2564,7 @@
           <a:p>
             <a:fld id="{6CB20436-A048-4C60-A9F7-240DF804A09C}" type="datetimeFigureOut">
               <a:rPr lang="en-US" smtClean="0"/>
-              <a:t>4/9/2018</a:t>
+              <a:t>4/11/2018</a:t>
             </a:fld>
             <a:endParaRPr lang="en-US"/>
           </a:p>
@@ -3236,8 +3241,8 @@
         </p:nvSpPr>
         <p:spPr>
           <a:xfrm>
-            <a:off x="4014952" y="3910582"/>
-            <a:ext cx="1713186" cy="261610"/>
+            <a:off x="4014951" y="3910582"/>
+            <a:ext cx="1897117" cy="430887"/>
           </a:xfrm>
           <a:prstGeom prst="rect">
             <a:avLst/>
@@ -3256,113 +3261,13 @@
             </a:r>
             <a:r>
               <a:rPr lang="en-US" altLang="zh-CN" sz="1100" dirty="0" smtClean="0"/>
-              <a:t>uild Dependency Graph</a:t>
+              <a:t>uild Dependency </a:t>
+            </a:r>
+            <a:r>
+              <a:rPr lang="en-US" altLang="zh-CN" sz="1100" dirty="0" smtClean="0"/>
+              <a:t>Graph and Backtracking from POI event</a:t>
             </a:r>
             <a:endParaRPr lang="en-US" sz="1100" dirty="0"/>
-          </a:p>
-        </p:txBody>
-      </p:sp>
-      <p:sp>
-        <p:nvSpPr>
-          <p:cNvPr id="19" name="Right Arrow 18"/>
-          <p:cNvSpPr/>
-          <p:nvPr/>
-        </p:nvSpPr>
-        <p:spPr>
-          <a:xfrm>
-            <a:off x="5582886" y="3383016"/>
-            <a:ext cx="530357" cy="191812"/>
-          </a:xfrm>
-          <a:prstGeom prst="rightArrow">
-            <a:avLst/>
-          </a:prstGeom>
-        </p:spPr>
-        <p:style>
-          <a:lnRef idx="2">
-            <a:schemeClr val="accent1">
-              <a:shade val="50000"/>
-            </a:schemeClr>
-          </a:lnRef>
-          <a:fillRef idx="1">
-            <a:schemeClr val="accent1"/>
-          </a:fillRef>
-          <a:effectRef idx="0">
-            <a:schemeClr val="accent1"/>
-          </a:effectRef>
-          <a:fontRef idx="minor">
-            <a:schemeClr val="lt1"/>
-          </a:fontRef>
-        </p:style>
-        <p:txBody>
-          <a:bodyPr rtlCol="0" anchor="ctr"/>
-          <a:lstStyle/>
-          <a:p>
-            <a:pPr algn="ctr"/>
-            <a:endParaRPr lang="en-US"/>
-          </a:p>
-        </p:txBody>
-      </p:sp>
-      <p:pic>
-        <p:nvPicPr>
-          <p:cNvPr id="20" name="Picture 19"/>
-          <p:cNvPicPr>
-            <a:picLocks noChangeAspect="1"/>
-          </p:cNvPicPr>
-          <p:nvPr/>
-        </p:nvPicPr>
-        <p:blipFill>
-          <a:blip r:embed="rId7" cstate="print">
-            <a:extLst>
-              <a:ext uri="{28A0092B-C50C-407E-A947-70E740481C1C}">
-                <a14:useLocalDpi xmlns:a14="http://schemas.microsoft.com/office/drawing/2010/main" val="0"/>
-              </a:ext>
-            </a:extLst>
-          </a:blip>
-          <a:stretch>
-            <a:fillRect/>
-          </a:stretch>
-        </p:blipFill>
-        <p:spPr>
-          <a:xfrm>
-            <a:off x="6113243" y="2698764"/>
-            <a:ext cx="739502" cy="1138246"/>
-          </a:xfrm>
-          <a:prstGeom prst="rect">
-            <a:avLst/>
-          </a:prstGeom>
-        </p:spPr>
-      </p:pic>
-      <p:sp>
-        <p:nvSpPr>
-          <p:cNvPr id="21" name="TextBox 20"/>
-          <p:cNvSpPr txBox="1"/>
-          <p:nvPr/>
-        </p:nvSpPr>
-        <p:spPr>
-          <a:xfrm>
-            <a:off x="5947213" y="3910582"/>
-            <a:ext cx="1120994" cy="276999"/>
-          </a:xfrm>
-          <a:prstGeom prst="rect">
-            <a:avLst/>
-          </a:prstGeom>
-          <a:noFill/>
-        </p:spPr>
-        <p:txBody>
-          <a:bodyPr wrap="square" rtlCol="0">
-            <a:spAutoFit/>
-          </a:bodyPr>
-          <a:lstStyle/>
-          <a:p>
-            <a:r>
-              <a:rPr lang="en-US" sz="1200" dirty="0" smtClean="0"/>
-              <a:t>B</a:t>
-            </a:r>
-            <a:r>
-              <a:rPr lang="en-US" altLang="zh-CN" sz="1200" dirty="0" smtClean="0"/>
-              <a:t>acktracking</a:t>
-            </a:r>
-            <a:endParaRPr lang="en-US" sz="1200" dirty="0"/>
           </a:p>
         </p:txBody>
       </p:sp>
@@ -3374,7 +3279,7 @@
         </p:nvSpPr>
         <p:spPr>
           <a:xfrm>
-            <a:off x="6865068" y="3360680"/>
+            <a:off x="5698487" y="3373820"/>
             <a:ext cx="530357" cy="191812"/>
           </a:xfrm>
           <a:prstGeom prst="rightArrow">
@@ -3428,7 +3333,7 @@
         </p:blipFill>
         <p:spPr>
           <a:xfrm>
-            <a:off x="7395425" y="2698764"/>
+            <a:off x="6303791" y="2688816"/>
             <a:ext cx="739502" cy="1211818"/>
           </a:xfrm>
           <a:prstGeom prst="rect">
@@ -3444,7 +3349,7 @@
         </p:nvSpPr>
         <p:spPr>
           <a:xfrm>
-            <a:off x="7395424" y="3910582"/>
+            <a:off x="6256091" y="3910582"/>
             <a:ext cx="965474" cy="261610"/>
           </a:xfrm>
           <a:prstGeom prst="rect">
@@ -3474,7 +3379,7 @@
         </p:nvSpPr>
         <p:spPr>
           <a:xfrm>
-            <a:off x="8095720" y="3376446"/>
+            <a:off x="6901980" y="3373820"/>
             <a:ext cx="530357" cy="191812"/>
           </a:xfrm>
           <a:prstGeom prst="rightArrow">
@@ -3514,7 +3419,7 @@
         </p:nvSpPr>
         <p:spPr>
           <a:xfrm>
-            <a:off x="9077364" y="3120913"/>
+            <a:off x="7938031" y="3120913"/>
             <a:ext cx="261199" cy="203634"/>
           </a:xfrm>
           <a:prstGeom prst="ellipse">
@@ -3562,7 +3467,7 @@
         </p:nvSpPr>
         <p:spPr>
           <a:xfrm>
-            <a:off x="9077364" y="3553151"/>
+            <a:off x="7938031" y="3553151"/>
             <a:ext cx="261199" cy="203634"/>
           </a:xfrm>
           <a:prstGeom prst="ellipse">
@@ -3610,7 +3515,7 @@
         </p:nvSpPr>
         <p:spPr>
           <a:xfrm>
-            <a:off x="8677607" y="3557745"/>
+            <a:off x="7538274" y="3557745"/>
             <a:ext cx="261199" cy="203634"/>
           </a:xfrm>
           <a:prstGeom prst="ellipse">
@@ -3658,7 +3563,7 @@
         </p:nvSpPr>
         <p:spPr>
           <a:xfrm>
-            <a:off x="9486731" y="3547240"/>
+            <a:off x="8347398" y="3547240"/>
             <a:ext cx="261199" cy="203634"/>
           </a:xfrm>
           <a:prstGeom prst="ellipse">
@@ -3709,7 +3614,7 @@
         </p:nvCxnSpPr>
         <p:spPr>
           <a:xfrm flipH="1">
-            <a:off x="8808207" y="3294725"/>
+            <a:off x="7668874" y="3294725"/>
             <a:ext cx="307409" cy="263020"/>
           </a:xfrm>
           <a:prstGeom prst="straightConnector1">
@@ -3784,7 +3689,7 @@
         </p:nvCxnSpPr>
         <p:spPr>
           <a:xfrm>
-            <a:off x="9300311" y="3294725"/>
+            <a:off x="8160978" y="3294725"/>
             <a:ext cx="317020" cy="252515"/>
           </a:xfrm>
           <a:prstGeom prst="straightConnector1">
@@ -3820,7 +3725,7 @@
         </p:nvSpPr>
         <p:spPr>
           <a:xfrm>
-            <a:off x="8632879" y="3937514"/>
+            <a:off x="7493546" y="3937514"/>
             <a:ext cx="965474" cy="276999"/>
           </a:xfrm>
           <a:prstGeom prst="rect">
@@ -3836,14 +3741,10 @@
           <a:p>
             <a:r>
               <a:rPr lang="en-US" sz="1200" dirty="0" smtClean="0"/>
-              <a:t>   </a:t>
-            </a:r>
-            <a:r>
-              <a:rPr lang="en-US" sz="1200" dirty="0" err="1" smtClean="0"/>
-              <a:t>G</a:t>
-            </a:r>
-            <a:r>
-              <a:rPr lang="en-US" altLang="zh-CN" sz="1200" dirty="0" err="1" smtClean="0"/>
+              <a:t>   G</a:t>
+            </a:r>
+            <a:r>
+              <a:rPr lang="en-US" altLang="zh-CN" sz="1200" dirty="0" smtClean="0"/>
               <a:t>raphsplit</a:t>
             </a:r>
             <a:endParaRPr lang="en-US" sz="1200" dirty="0"/>
@@ -3912,7 +3813,7 @@
         </p:blipFill>
         <p:spPr>
           <a:xfrm>
-            <a:off x="10328525" y="2825595"/>
+            <a:off x="9189192" y="2825595"/>
             <a:ext cx="1310689" cy="1041258"/>
           </a:xfrm>
           <a:prstGeom prst="rect">
@@ -3928,7 +3829,7 @@
         </p:nvSpPr>
         <p:spPr>
           <a:xfrm>
-            <a:off x="10197551" y="3935513"/>
+            <a:off x="9058218" y="3935513"/>
             <a:ext cx="965474" cy="276999"/>
           </a:xfrm>
           <a:prstGeom prst="rect">
@@ -3950,6 +3851,85 @@
           </a:p>
         </p:txBody>
       </p:sp>
+      <p:sp>
+        <p:nvSpPr>
+          <p:cNvPr id="29" name="Right Arrow 28"/>
+          <p:cNvSpPr/>
+          <p:nvPr/>
+        </p:nvSpPr>
+        <p:spPr>
+          <a:xfrm>
+            <a:off x="8598988" y="3381700"/>
+            <a:ext cx="530357" cy="191812"/>
+          </a:xfrm>
+          <a:prstGeom prst="rightArrow">
+            <a:avLst/>
+          </a:prstGeom>
+        </p:spPr>
+        <p:style>
+          <a:lnRef idx="2">
+            <a:schemeClr val="accent1">
+              <a:shade val="50000"/>
+            </a:schemeClr>
+          </a:lnRef>
+          <a:fillRef idx="1">
+            <a:schemeClr val="accent1"/>
+          </a:fillRef>
+          <a:effectRef idx="0">
+            <a:schemeClr val="accent1"/>
+          </a:effectRef>
+          <a:fontRef idx="minor">
+            <a:schemeClr val="lt1"/>
+          </a:fontRef>
+        </p:style>
+        <p:txBody>
+          <a:bodyPr rtlCol="0" anchor="ctr"/>
+          <a:lstStyle/>
+          <a:p>
+            <a:pPr algn="ctr"/>
+            <a:endParaRPr lang="en-US"/>
+          </a:p>
+        </p:txBody>
+      </p:sp>
+      <p:cxnSp>
+        <p:nvCxnSpPr>
+          <p:cNvPr id="3" name="Straight Arrow Connector 2"/>
+          <p:cNvCxnSpPr>
+            <a:stCxn id="33" idx="4"/>
+            <a:endCxn id="40" idx="0"/>
+          </p:cNvCxnSpPr>
+          <p:nvPr/>
+        </p:nvCxnSpPr>
+        <p:spPr>
+          <a:xfrm>
+            <a:off x="8068631" y="3324547"/>
+            <a:ext cx="0" cy="228604"/>
+          </a:xfrm>
+          <a:prstGeom prst="straightConnector1">
+            <a:avLst/>
+          </a:prstGeom>
+          <a:ln>
+            <a:solidFill>
+              <a:schemeClr val="tx1"/>
+            </a:solidFill>
+            <a:tailEnd type="triangle"/>
+          </a:ln>
+        </p:spPr>
+        <p:style>
+          <a:lnRef idx="1">
+            <a:schemeClr val="accent1"/>
+          </a:lnRef>
+          <a:fillRef idx="0">
+            <a:schemeClr val="accent1"/>
+          </a:fillRef>
+          <a:effectRef idx="0">
+            <a:schemeClr val="accent1"/>
+          </a:effectRef>
+          <a:fontRef idx="minor">
+            <a:schemeClr val="tx1"/>
+          </a:fontRef>
+        </p:style>
+      </p:cxnSp>
     </p:spTree>
     <p:extLst>
       <p:ext uri="{BB962C8B-B14F-4D97-AF65-F5344CB8AC3E}">
